--- a/Lab25/Adjuntías/2020-2/InferenciaBayesiana.pptx
+++ b/Lab25/Adjuntías/2020-2/InferenciaBayesiana.pptx
@@ -319,7 +319,7 @@
           <a:p>
             <a:fld id="{7DEF6970-D186-49AA-A9AD-29EC23CF1F6B}" type="datetimeFigureOut">
               <a:rPr lang="es-MX" smtClean="0"/>
-              <a:t>15/04/2020</a:t>
+              <a:t>16/04/2020</a:t>
             </a:fld>
             <a:endParaRPr lang="es-MX"/>
           </a:p>
@@ -970,7 +970,7 @@
           <a:p>
             <a:fld id="{2819CCF9-04DA-4DB1-9641-16B4E70840FB}" type="datetimeFigureOut">
               <a:rPr lang="es-MX" smtClean="0"/>
-              <a:t>15/04/2020</a:t>
+              <a:t>16/04/2020</a:t>
             </a:fld>
             <a:endParaRPr lang="es-MX"/>
           </a:p>
@@ -1140,7 +1140,7 @@
           <a:p>
             <a:fld id="{2819CCF9-04DA-4DB1-9641-16B4E70840FB}" type="datetimeFigureOut">
               <a:rPr lang="es-MX" smtClean="0"/>
-              <a:t>15/04/2020</a:t>
+              <a:t>16/04/2020</a:t>
             </a:fld>
             <a:endParaRPr lang="es-MX"/>
           </a:p>
@@ -1320,7 +1320,7 @@
           <a:p>
             <a:fld id="{2819CCF9-04DA-4DB1-9641-16B4E70840FB}" type="datetimeFigureOut">
               <a:rPr lang="es-MX" smtClean="0"/>
-              <a:t>15/04/2020</a:t>
+              <a:t>16/04/2020</a:t>
             </a:fld>
             <a:endParaRPr lang="es-MX"/>
           </a:p>
@@ -1490,7 +1490,7 @@
           <a:p>
             <a:fld id="{2819CCF9-04DA-4DB1-9641-16B4E70840FB}" type="datetimeFigureOut">
               <a:rPr lang="es-MX" smtClean="0"/>
-              <a:t>15/04/2020</a:t>
+              <a:t>16/04/2020</a:t>
             </a:fld>
             <a:endParaRPr lang="es-MX"/>
           </a:p>
@@ -1736,7 +1736,7 @@
           <a:p>
             <a:fld id="{2819CCF9-04DA-4DB1-9641-16B4E70840FB}" type="datetimeFigureOut">
               <a:rPr lang="es-MX" smtClean="0"/>
-              <a:t>15/04/2020</a:t>
+              <a:t>16/04/2020</a:t>
             </a:fld>
             <a:endParaRPr lang="es-MX"/>
           </a:p>
@@ -1968,7 +1968,7 @@
           <a:p>
             <a:fld id="{2819CCF9-04DA-4DB1-9641-16B4E70840FB}" type="datetimeFigureOut">
               <a:rPr lang="es-MX" smtClean="0"/>
-              <a:t>15/04/2020</a:t>
+              <a:t>16/04/2020</a:t>
             </a:fld>
             <a:endParaRPr lang="es-MX"/>
           </a:p>
@@ -2335,7 +2335,7 @@
           <a:p>
             <a:fld id="{2819CCF9-04DA-4DB1-9641-16B4E70840FB}" type="datetimeFigureOut">
               <a:rPr lang="es-MX" smtClean="0"/>
-              <a:t>15/04/2020</a:t>
+              <a:t>16/04/2020</a:t>
             </a:fld>
             <a:endParaRPr lang="es-MX"/>
           </a:p>
@@ -2453,7 +2453,7 @@
           <a:p>
             <a:fld id="{2819CCF9-04DA-4DB1-9641-16B4E70840FB}" type="datetimeFigureOut">
               <a:rPr lang="es-MX" smtClean="0"/>
-              <a:t>15/04/2020</a:t>
+              <a:t>16/04/2020</a:t>
             </a:fld>
             <a:endParaRPr lang="es-MX"/>
           </a:p>
@@ -2548,7 +2548,7 @@
           <a:p>
             <a:fld id="{2819CCF9-04DA-4DB1-9641-16B4E70840FB}" type="datetimeFigureOut">
               <a:rPr lang="es-MX" smtClean="0"/>
-              <a:t>15/04/2020</a:t>
+              <a:t>16/04/2020</a:t>
             </a:fld>
             <a:endParaRPr lang="es-MX"/>
           </a:p>
@@ -2825,7 +2825,7 @@
           <a:p>
             <a:fld id="{2819CCF9-04DA-4DB1-9641-16B4E70840FB}" type="datetimeFigureOut">
               <a:rPr lang="es-MX" smtClean="0"/>
-              <a:t>15/04/2020</a:t>
+              <a:t>16/04/2020</a:t>
             </a:fld>
             <a:endParaRPr lang="es-MX"/>
           </a:p>
@@ -3078,7 +3078,7 @@
           <a:p>
             <a:fld id="{2819CCF9-04DA-4DB1-9641-16B4E70840FB}" type="datetimeFigureOut">
               <a:rPr lang="es-MX" smtClean="0"/>
-              <a:t>15/04/2020</a:t>
+              <a:t>16/04/2020</a:t>
             </a:fld>
             <a:endParaRPr lang="es-MX"/>
           </a:p>
@@ -3291,7 +3291,7 @@
           <a:p>
             <a:fld id="{2819CCF9-04DA-4DB1-9641-16B4E70840FB}" type="datetimeFigureOut">
               <a:rPr lang="es-MX" smtClean="0"/>
-              <a:t>15/04/2020</a:t>
+              <a:t>16/04/2020</a:t>
             </a:fld>
             <a:endParaRPr lang="es-MX"/>
           </a:p>
@@ -3964,8 +3964,8 @@
           </a:p>
         </p:txBody>
       </p:sp>
-      <mc:AlternateContent xmlns:mc="http://schemas.openxmlformats.org/markup-compatibility/2006">
-        <mc:Choice xmlns:a14="http://schemas.microsoft.com/office/drawing/2010/main" Requires="a14">
+      <mc:AlternateContent xmlns:mc="http://schemas.openxmlformats.org/markup-compatibility/2006" xmlns:a14="http://schemas.microsoft.com/office/drawing/2010/main">
+        <mc:Choice Requires="a14">
           <p:sp>
             <p:nvSpPr>
               <p:cNvPr id="7" name="CuadroTexto 6">
@@ -4019,7 +4019,7 @@
             </p:txBody>
           </p:sp>
         </mc:Choice>
-        <mc:Fallback>
+        <mc:Fallback xmlns="">
           <p:sp>
             <p:nvSpPr>
               <p:cNvPr id="7" name="CuadroTexto 6">
@@ -5792,357 +5792,6 @@
       </p:sp>
       <p:sp>
         <p:nvSpPr>
-          <p:cNvPr id="21" name="CuadroTexto 20">
-            <a:extLst>
-              <a:ext uri="{FF2B5EF4-FFF2-40B4-BE49-F238E27FC236}">
-                <a16:creationId xmlns:a16="http://schemas.microsoft.com/office/drawing/2014/main" id="{1D6EFFC7-5948-4BAA-8F5A-059472DD62A1}"/>
-              </a:ext>
-            </a:extLst>
-          </p:cNvPr>
-          <p:cNvSpPr txBox="1"/>
-          <p:nvPr/>
-        </p:nvSpPr>
-        <p:spPr>
-          <a:xfrm>
-            <a:off x="8128068" y="1899793"/>
-            <a:ext cx="417251" cy="369332"/>
-          </a:xfrm>
-          <a:prstGeom prst="rect">
-            <a:avLst/>
-          </a:prstGeom>
-          <a:noFill/>
-        </p:spPr>
-        <p:txBody>
-          <a:bodyPr wrap="square" rtlCol="0">
-            <a:spAutoFit/>
-          </a:bodyPr>
-          <a:lstStyle/>
-          <a:p>
-            <a:r>
-              <a:rPr lang="es-MX" dirty="0">
-                <a:solidFill>
-                  <a:srgbClr val="00B050"/>
-                </a:solidFill>
-              </a:rPr>
-              <a:t>45</a:t>
-            </a:r>
-          </a:p>
-        </p:txBody>
-      </p:sp>
-      <p:sp>
-        <p:nvSpPr>
-          <p:cNvPr id="22" name="CuadroTexto 21">
-            <a:extLst>
-              <a:ext uri="{FF2B5EF4-FFF2-40B4-BE49-F238E27FC236}">
-                <a16:creationId xmlns:a16="http://schemas.microsoft.com/office/drawing/2014/main" id="{22489C16-8BA5-4E96-BEC3-31E6718FD201}"/>
-              </a:ext>
-            </a:extLst>
-          </p:cNvPr>
-          <p:cNvSpPr txBox="1"/>
-          <p:nvPr/>
-        </p:nvSpPr>
-        <p:spPr>
-          <a:xfrm>
-            <a:off x="8341132" y="3619803"/>
-            <a:ext cx="417251" cy="369332"/>
-          </a:xfrm>
-          <a:prstGeom prst="rect">
-            <a:avLst/>
-          </a:prstGeom>
-          <a:noFill/>
-        </p:spPr>
-        <p:txBody>
-          <a:bodyPr wrap="square" rtlCol="0">
-            <a:spAutoFit/>
-          </a:bodyPr>
-          <a:lstStyle/>
-          <a:p>
-            <a:r>
-              <a:rPr lang="es-MX" dirty="0">
-                <a:solidFill>
-                  <a:srgbClr val="00B050"/>
-                </a:solidFill>
-              </a:rPr>
-              <a:t>83</a:t>
-            </a:r>
-          </a:p>
-        </p:txBody>
-      </p:sp>
-      <p:sp>
-        <p:nvSpPr>
-          <p:cNvPr id="23" name="CuadroTexto 22">
-            <a:extLst>
-              <a:ext uri="{FF2B5EF4-FFF2-40B4-BE49-F238E27FC236}">
-                <a16:creationId xmlns:a16="http://schemas.microsoft.com/office/drawing/2014/main" id="{9140F7BD-7D89-4730-9161-C309F43EA7AB}"/>
-              </a:ext>
-            </a:extLst>
-          </p:cNvPr>
-          <p:cNvSpPr txBox="1"/>
-          <p:nvPr/>
-        </p:nvSpPr>
-        <p:spPr>
-          <a:xfrm>
-            <a:off x="10029369" y="2434900"/>
-            <a:ext cx="417251" cy="369332"/>
-          </a:xfrm>
-          <a:prstGeom prst="rect">
-            <a:avLst/>
-          </a:prstGeom>
-          <a:noFill/>
-        </p:spPr>
-        <p:txBody>
-          <a:bodyPr wrap="square" rtlCol="0">
-            <a:spAutoFit/>
-          </a:bodyPr>
-          <a:lstStyle/>
-          <a:p>
-            <a:r>
-              <a:rPr lang="es-MX" dirty="0">
-                <a:solidFill>
-                  <a:srgbClr val="00B050"/>
-                </a:solidFill>
-              </a:rPr>
-              <a:t>13</a:t>
-            </a:r>
-          </a:p>
-        </p:txBody>
-      </p:sp>
-      <p:sp>
-        <p:nvSpPr>
-          <p:cNvPr id="24" name="CuadroTexto 23">
-            <a:extLst>
-              <a:ext uri="{FF2B5EF4-FFF2-40B4-BE49-F238E27FC236}">
-                <a16:creationId xmlns:a16="http://schemas.microsoft.com/office/drawing/2014/main" id="{E2686CF0-EB30-497E-B5ED-0EBBF7F1A8AC}"/>
-              </a:ext>
-            </a:extLst>
-          </p:cNvPr>
-          <p:cNvSpPr txBox="1"/>
-          <p:nvPr/>
-        </p:nvSpPr>
-        <p:spPr>
-          <a:xfrm>
-            <a:off x="9931714" y="4697739"/>
-            <a:ext cx="417251" cy="369332"/>
-          </a:xfrm>
-          <a:prstGeom prst="rect">
-            <a:avLst/>
-          </a:prstGeom>
-          <a:noFill/>
-        </p:spPr>
-        <p:txBody>
-          <a:bodyPr wrap="square" rtlCol="0">
-            <a:spAutoFit/>
-          </a:bodyPr>
-          <a:lstStyle/>
-          <a:p>
-            <a:r>
-              <a:rPr lang="es-MX" dirty="0">
-                <a:solidFill>
-                  <a:srgbClr val="00B050"/>
-                </a:solidFill>
-              </a:rPr>
-              <a:t>3</a:t>
-            </a:r>
-          </a:p>
-        </p:txBody>
-      </p:sp>
-      <p:sp>
-        <p:nvSpPr>
-          <p:cNvPr id="25" name="CuadroTexto 24">
-            <a:extLst>
-              <a:ext uri="{FF2B5EF4-FFF2-40B4-BE49-F238E27FC236}">
-                <a16:creationId xmlns:a16="http://schemas.microsoft.com/office/drawing/2014/main" id="{72EE76D0-5D2E-4B9A-AC10-1A6A5FD48D50}"/>
-              </a:ext>
-            </a:extLst>
-          </p:cNvPr>
-          <p:cNvSpPr txBox="1"/>
-          <p:nvPr/>
-        </p:nvSpPr>
-        <p:spPr>
-          <a:xfrm>
-            <a:off x="9123739" y="3041750"/>
-            <a:ext cx="673331" cy="369332"/>
-          </a:xfrm>
-          <a:prstGeom prst="rect">
-            <a:avLst/>
-          </a:prstGeom>
-          <a:noFill/>
-        </p:spPr>
-        <p:txBody>
-          <a:bodyPr wrap="square" rtlCol="0">
-            <a:spAutoFit/>
-          </a:bodyPr>
-          <a:lstStyle/>
-          <a:p>
-            <a:r>
-              <a:rPr lang="es-MX" dirty="0">
-                <a:solidFill>
-                  <a:srgbClr val="00B050"/>
-                </a:solidFill>
-              </a:rPr>
-              <a:t>11</a:t>
-            </a:r>
-          </a:p>
-        </p:txBody>
-      </p:sp>
-      <p:sp>
-        <p:nvSpPr>
-          <p:cNvPr id="26" name="CuadroTexto 25">
-            <a:extLst>
-              <a:ext uri="{FF2B5EF4-FFF2-40B4-BE49-F238E27FC236}">
-                <a16:creationId xmlns:a16="http://schemas.microsoft.com/office/drawing/2014/main" id="{88DE60E9-7A7F-411C-9E42-D346BFE62E84}"/>
-              </a:ext>
-            </a:extLst>
-          </p:cNvPr>
-          <p:cNvSpPr txBox="1"/>
-          <p:nvPr/>
-        </p:nvSpPr>
-        <p:spPr>
-          <a:xfrm>
-            <a:off x="7222545" y="2764751"/>
-            <a:ext cx="417251" cy="369332"/>
-          </a:xfrm>
-          <a:prstGeom prst="rect">
-            <a:avLst/>
-          </a:prstGeom>
-          <a:noFill/>
-        </p:spPr>
-        <p:txBody>
-          <a:bodyPr wrap="square" rtlCol="0">
-            <a:spAutoFit/>
-          </a:bodyPr>
-          <a:lstStyle/>
-          <a:p>
-            <a:r>
-              <a:rPr lang="es-MX" dirty="0">
-                <a:solidFill>
-                  <a:srgbClr val="00B050"/>
-                </a:solidFill>
-              </a:rPr>
-              <a:t>1</a:t>
-            </a:r>
-          </a:p>
-        </p:txBody>
-      </p:sp>
-      <p:sp>
-        <p:nvSpPr>
-          <p:cNvPr id="27" name="CuadroTexto 26">
-            <a:extLst>
-              <a:ext uri="{FF2B5EF4-FFF2-40B4-BE49-F238E27FC236}">
-                <a16:creationId xmlns:a16="http://schemas.microsoft.com/office/drawing/2014/main" id="{0FFCFCBE-80DB-4A1C-9D4A-D88FE0CE5F49}"/>
-              </a:ext>
-            </a:extLst>
-          </p:cNvPr>
-          <p:cNvSpPr txBox="1"/>
-          <p:nvPr/>
-        </p:nvSpPr>
-        <p:spPr>
-          <a:xfrm>
-            <a:off x="7639796" y="4530459"/>
-            <a:ext cx="648772" cy="369332"/>
-          </a:xfrm>
-          <a:prstGeom prst="rect">
-            <a:avLst/>
-          </a:prstGeom>
-          <a:noFill/>
-        </p:spPr>
-        <p:txBody>
-          <a:bodyPr wrap="square" rtlCol="0">
-            <a:spAutoFit/>
-          </a:bodyPr>
-          <a:lstStyle/>
-          <a:p>
-            <a:r>
-              <a:rPr lang="es-MX" dirty="0">
-                <a:solidFill>
-                  <a:srgbClr val="00B050"/>
-                </a:solidFill>
-              </a:rPr>
-              <a:t>121</a:t>
-            </a:r>
-          </a:p>
-        </p:txBody>
-      </p:sp>
-      <p:sp>
-        <p:nvSpPr>
-          <p:cNvPr id="28" name="CuadroTexto 27">
-            <a:extLst>
-              <a:ext uri="{FF2B5EF4-FFF2-40B4-BE49-F238E27FC236}">
-                <a16:creationId xmlns:a16="http://schemas.microsoft.com/office/drawing/2014/main" id="{C7793DCD-4B1A-4074-B717-9C76984C84B2}"/>
-              </a:ext>
-            </a:extLst>
-          </p:cNvPr>
-          <p:cNvSpPr txBox="1"/>
-          <p:nvPr/>
-        </p:nvSpPr>
-        <p:spPr>
-          <a:xfrm>
-            <a:off x="8910081" y="5283341"/>
-            <a:ext cx="417251" cy="369332"/>
-          </a:xfrm>
-          <a:prstGeom prst="rect">
-            <a:avLst/>
-          </a:prstGeom>
-          <a:noFill/>
-        </p:spPr>
-        <p:txBody>
-          <a:bodyPr wrap="square" rtlCol="0">
-            <a:spAutoFit/>
-          </a:bodyPr>
-          <a:lstStyle/>
-          <a:p>
-            <a:r>
-              <a:rPr lang="es-MX" dirty="0">
-                <a:solidFill>
-                  <a:srgbClr val="00B050"/>
-                </a:solidFill>
-              </a:rPr>
-              <a:t>9</a:t>
-            </a:r>
-          </a:p>
-        </p:txBody>
-      </p:sp>
-      <p:sp>
-        <p:nvSpPr>
-          <p:cNvPr id="29" name="CuadroTexto 28">
-            <a:extLst>
-              <a:ext uri="{FF2B5EF4-FFF2-40B4-BE49-F238E27FC236}">
-                <a16:creationId xmlns:a16="http://schemas.microsoft.com/office/drawing/2014/main" id="{9C183DB6-705F-4571-9F09-C452239F971F}"/>
-              </a:ext>
-            </a:extLst>
-          </p:cNvPr>
-          <p:cNvSpPr txBox="1"/>
-          <p:nvPr/>
-        </p:nvSpPr>
-        <p:spPr>
-          <a:xfrm>
-            <a:off x="9514463" y="882283"/>
-            <a:ext cx="417251" cy="369332"/>
-          </a:xfrm>
-          <a:prstGeom prst="rect">
-            <a:avLst/>
-          </a:prstGeom>
-          <a:noFill/>
-        </p:spPr>
-        <p:txBody>
-          <a:bodyPr wrap="square" rtlCol="0">
-            <a:spAutoFit/>
-          </a:bodyPr>
-          <a:lstStyle/>
-          <a:p>
-            <a:r>
-              <a:rPr lang="es-MX" dirty="0">
-                <a:solidFill>
-                  <a:srgbClr val="00B050"/>
-                </a:solidFill>
-              </a:rPr>
-              <a:t>7</a:t>
-            </a:r>
-          </a:p>
-        </p:txBody>
-      </p:sp>
-      <p:sp>
-        <p:nvSpPr>
           <p:cNvPr id="30" name="CuadroTexto 29">
             <a:extLst>
               <a:ext uri="{FF2B5EF4-FFF2-40B4-BE49-F238E27FC236}">
@@ -6172,6 +5821,357 @@
             <a:r>
               <a:rPr lang="es-MX" dirty="0"/>
               <a:t>2</a:t>
+            </a:r>
+          </a:p>
+        </p:txBody>
+      </p:sp>
+      <p:sp>
+        <p:nvSpPr>
+          <p:cNvPr id="40" name="CuadroTexto 39">
+            <a:extLst>
+              <a:ext uri="{FF2B5EF4-FFF2-40B4-BE49-F238E27FC236}">
+                <a16:creationId xmlns:a16="http://schemas.microsoft.com/office/drawing/2014/main" id="{87C7478A-0EAF-44CA-A776-29881694E50D}"/>
+              </a:ext>
+            </a:extLst>
+          </p:cNvPr>
+          <p:cNvSpPr txBox="1"/>
+          <p:nvPr/>
+        </p:nvSpPr>
+        <p:spPr>
+          <a:xfrm>
+            <a:off x="8128068" y="1899793"/>
+            <a:ext cx="417251" cy="369332"/>
+          </a:xfrm>
+          <a:prstGeom prst="rect">
+            <a:avLst/>
+          </a:prstGeom>
+          <a:noFill/>
+        </p:spPr>
+        <p:txBody>
+          <a:bodyPr wrap="square" rtlCol="0">
+            <a:spAutoFit/>
+          </a:bodyPr>
+          <a:lstStyle/>
+          <a:p>
+            <a:r>
+              <a:rPr lang="es-MX" dirty="0">
+                <a:solidFill>
+                  <a:srgbClr val="00B050"/>
+                </a:solidFill>
+              </a:rPr>
+              <a:t>17</a:t>
+            </a:r>
+          </a:p>
+        </p:txBody>
+      </p:sp>
+      <p:sp>
+        <p:nvSpPr>
+          <p:cNvPr id="41" name="CuadroTexto 40">
+            <a:extLst>
+              <a:ext uri="{FF2B5EF4-FFF2-40B4-BE49-F238E27FC236}">
+                <a16:creationId xmlns:a16="http://schemas.microsoft.com/office/drawing/2014/main" id="{6C953DD5-9BCF-4F8C-9FF5-47ABC2FB4CF2}"/>
+              </a:ext>
+            </a:extLst>
+          </p:cNvPr>
+          <p:cNvSpPr txBox="1"/>
+          <p:nvPr/>
+        </p:nvSpPr>
+        <p:spPr>
+          <a:xfrm>
+            <a:off x="8341132" y="3619803"/>
+            <a:ext cx="417251" cy="369332"/>
+          </a:xfrm>
+          <a:prstGeom prst="rect">
+            <a:avLst/>
+          </a:prstGeom>
+          <a:noFill/>
+        </p:spPr>
+        <p:txBody>
+          <a:bodyPr wrap="square" rtlCol="0">
+            <a:spAutoFit/>
+          </a:bodyPr>
+          <a:lstStyle/>
+          <a:p>
+            <a:r>
+              <a:rPr lang="es-MX" dirty="0">
+                <a:solidFill>
+                  <a:srgbClr val="00B050"/>
+                </a:solidFill>
+              </a:rPr>
+              <a:t>19</a:t>
+            </a:r>
+          </a:p>
+        </p:txBody>
+      </p:sp>
+      <p:sp>
+        <p:nvSpPr>
+          <p:cNvPr id="42" name="CuadroTexto 41">
+            <a:extLst>
+              <a:ext uri="{FF2B5EF4-FFF2-40B4-BE49-F238E27FC236}">
+                <a16:creationId xmlns:a16="http://schemas.microsoft.com/office/drawing/2014/main" id="{1E71E1C1-DFE8-405A-A1F8-D9D7E2633E0F}"/>
+              </a:ext>
+            </a:extLst>
+          </p:cNvPr>
+          <p:cNvSpPr txBox="1"/>
+          <p:nvPr/>
+        </p:nvSpPr>
+        <p:spPr>
+          <a:xfrm>
+            <a:off x="10029369" y="2434900"/>
+            <a:ext cx="417251" cy="369332"/>
+          </a:xfrm>
+          <a:prstGeom prst="rect">
+            <a:avLst/>
+          </a:prstGeom>
+          <a:noFill/>
+        </p:spPr>
+        <p:txBody>
+          <a:bodyPr wrap="square" rtlCol="0">
+            <a:spAutoFit/>
+          </a:bodyPr>
+          <a:lstStyle/>
+          <a:p>
+            <a:r>
+              <a:rPr lang="es-MX" dirty="0">
+                <a:solidFill>
+                  <a:srgbClr val="00B050"/>
+                </a:solidFill>
+              </a:rPr>
+              <a:t>13</a:t>
+            </a:r>
+          </a:p>
+        </p:txBody>
+      </p:sp>
+      <p:sp>
+        <p:nvSpPr>
+          <p:cNvPr id="43" name="CuadroTexto 42">
+            <a:extLst>
+              <a:ext uri="{FF2B5EF4-FFF2-40B4-BE49-F238E27FC236}">
+                <a16:creationId xmlns:a16="http://schemas.microsoft.com/office/drawing/2014/main" id="{E2320049-EF52-4250-A388-39F8CEC8B6D1}"/>
+              </a:ext>
+            </a:extLst>
+          </p:cNvPr>
+          <p:cNvSpPr txBox="1"/>
+          <p:nvPr/>
+        </p:nvSpPr>
+        <p:spPr>
+          <a:xfrm>
+            <a:off x="9931714" y="4697739"/>
+            <a:ext cx="417251" cy="369332"/>
+          </a:xfrm>
+          <a:prstGeom prst="rect">
+            <a:avLst/>
+          </a:prstGeom>
+          <a:noFill/>
+        </p:spPr>
+        <p:txBody>
+          <a:bodyPr wrap="square" rtlCol="0">
+            <a:spAutoFit/>
+          </a:bodyPr>
+          <a:lstStyle/>
+          <a:p>
+            <a:r>
+              <a:rPr lang="es-MX" dirty="0">
+                <a:solidFill>
+                  <a:srgbClr val="00B050"/>
+                </a:solidFill>
+              </a:rPr>
+              <a:t>3</a:t>
+            </a:r>
+          </a:p>
+        </p:txBody>
+      </p:sp>
+      <p:sp>
+        <p:nvSpPr>
+          <p:cNvPr id="44" name="CuadroTexto 43">
+            <a:extLst>
+              <a:ext uri="{FF2B5EF4-FFF2-40B4-BE49-F238E27FC236}">
+                <a16:creationId xmlns:a16="http://schemas.microsoft.com/office/drawing/2014/main" id="{5CC7DE0F-FDB6-4E9E-9BD8-FD0144C73E34}"/>
+              </a:ext>
+            </a:extLst>
+          </p:cNvPr>
+          <p:cNvSpPr txBox="1"/>
+          <p:nvPr/>
+        </p:nvSpPr>
+        <p:spPr>
+          <a:xfrm>
+            <a:off x="9123739" y="3041750"/>
+            <a:ext cx="673331" cy="369332"/>
+          </a:xfrm>
+          <a:prstGeom prst="rect">
+            <a:avLst/>
+          </a:prstGeom>
+          <a:noFill/>
+        </p:spPr>
+        <p:txBody>
+          <a:bodyPr wrap="square" rtlCol="0">
+            <a:spAutoFit/>
+          </a:bodyPr>
+          <a:lstStyle/>
+          <a:p>
+            <a:r>
+              <a:rPr lang="es-MX" dirty="0">
+                <a:solidFill>
+                  <a:srgbClr val="00B050"/>
+                </a:solidFill>
+              </a:rPr>
+              <a:t>11</a:t>
+            </a:r>
+          </a:p>
+        </p:txBody>
+      </p:sp>
+      <p:sp>
+        <p:nvSpPr>
+          <p:cNvPr id="45" name="CuadroTexto 44">
+            <a:extLst>
+              <a:ext uri="{FF2B5EF4-FFF2-40B4-BE49-F238E27FC236}">
+                <a16:creationId xmlns:a16="http://schemas.microsoft.com/office/drawing/2014/main" id="{D8E68CF9-821F-4FBE-B73B-A8C3B7F8BB82}"/>
+              </a:ext>
+            </a:extLst>
+          </p:cNvPr>
+          <p:cNvSpPr txBox="1"/>
+          <p:nvPr/>
+        </p:nvSpPr>
+        <p:spPr>
+          <a:xfrm>
+            <a:off x="7222545" y="2764751"/>
+            <a:ext cx="417251" cy="369332"/>
+          </a:xfrm>
+          <a:prstGeom prst="rect">
+            <a:avLst/>
+          </a:prstGeom>
+          <a:noFill/>
+        </p:spPr>
+        <p:txBody>
+          <a:bodyPr wrap="square" rtlCol="0">
+            <a:spAutoFit/>
+          </a:bodyPr>
+          <a:lstStyle/>
+          <a:p>
+            <a:r>
+              <a:rPr lang="es-MX" dirty="0">
+                <a:solidFill>
+                  <a:srgbClr val="00B050"/>
+                </a:solidFill>
+              </a:rPr>
+              <a:t>23</a:t>
+            </a:r>
+          </a:p>
+        </p:txBody>
+      </p:sp>
+      <p:sp>
+        <p:nvSpPr>
+          <p:cNvPr id="46" name="CuadroTexto 45">
+            <a:extLst>
+              <a:ext uri="{FF2B5EF4-FFF2-40B4-BE49-F238E27FC236}">
+                <a16:creationId xmlns:a16="http://schemas.microsoft.com/office/drawing/2014/main" id="{3DFCC4F2-73B8-43B5-AB00-CC1057CB306A}"/>
+              </a:ext>
+            </a:extLst>
+          </p:cNvPr>
+          <p:cNvSpPr txBox="1"/>
+          <p:nvPr/>
+        </p:nvSpPr>
+        <p:spPr>
+          <a:xfrm>
+            <a:off x="7639796" y="4530459"/>
+            <a:ext cx="648772" cy="369332"/>
+          </a:xfrm>
+          <a:prstGeom prst="rect">
+            <a:avLst/>
+          </a:prstGeom>
+          <a:noFill/>
+        </p:spPr>
+        <p:txBody>
+          <a:bodyPr wrap="square" rtlCol="0">
+            <a:spAutoFit/>
+          </a:bodyPr>
+          <a:lstStyle/>
+          <a:p>
+            <a:r>
+              <a:rPr lang="es-MX" dirty="0">
+                <a:solidFill>
+                  <a:srgbClr val="00B050"/>
+                </a:solidFill>
+              </a:rPr>
+              <a:t>5</a:t>
+            </a:r>
+          </a:p>
+        </p:txBody>
+      </p:sp>
+      <p:sp>
+        <p:nvSpPr>
+          <p:cNvPr id="47" name="CuadroTexto 46">
+            <a:extLst>
+              <a:ext uri="{FF2B5EF4-FFF2-40B4-BE49-F238E27FC236}">
+                <a16:creationId xmlns:a16="http://schemas.microsoft.com/office/drawing/2014/main" id="{3A389980-4A8D-4132-8EAD-6DBCFD9A8967}"/>
+              </a:ext>
+            </a:extLst>
+          </p:cNvPr>
+          <p:cNvSpPr txBox="1"/>
+          <p:nvPr/>
+        </p:nvSpPr>
+        <p:spPr>
+          <a:xfrm>
+            <a:off x="8910081" y="5283341"/>
+            <a:ext cx="417251" cy="369332"/>
+          </a:xfrm>
+          <a:prstGeom prst="rect">
+            <a:avLst/>
+          </a:prstGeom>
+          <a:noFill/>
+        </p:spPr>
+        <p:txBody>
+          <a:bodyPr wrap="square" rtlCol="0">
+            <a:spAutoFit/>
+          </a:bodyPr>
+          <a:lstStyle/>
+          <a:p>
+            <a:r>
+              <a:rPr lang="es-MX" dirty="0">
+                <a:solidFill>
+                  <a:srgbClr val="00B050"/>
+                </a:solidFill>
+              </a:rPr>
+              <a:t>29</a:t>
+            </a:r>
+          </a:p>
+        </p:txBody>
+      </p:sp>
+      <p:sp>
+        <p:nvSpPr>
+          <p:cNvPr id="48" name="CuadroTexto 47">
+            <a:extLst>
+              <a:ext uri="{FF2B5EF4-FFF2-40B4-BE49-F238E27FC236}">
+                <a16:creationId xmlns:a16="http://schemas.microsoft.com/office/drawing/2014/main" id="{C2157E61-78A1-493E-B7D2-82DDFC7905AC}"/>
+              </a:ext>
+            </a:extLst>
+          </p:cNvPr>
+          <p:cNvSpPr txBox="1"/>
+          <p:nvPr/>
+        </p:nvSpPr>
+        <p:spPr>
+          <a:xfrm>
+            <a:off x="9514463" y="882283"/>
+            <a:ext cx="417251" cy="369332"/>
+          </a:xfrm>
+          <a:prstGeom prst="rect">
+            <a:avLst/>
+          </a:prstGeom>
+          <a:noFill/>
+        </p:spPr>
+        <p:txBody>
+          <a:bodyPr wrap="square" rtlCol="0">
+            <a:spAutoFit/>
+          </a:bodyPr>
+          <a:lstStyle/>
+          <a:p>
+            <a:r>
+              <a:rPr lang="es-MX" dirty="0">
+                <a:solidFill>
+                  <a:srgbClr val="00B050"/>
+                </a:solidFill>
+              </a:rPr>
+              <a:t>7</a:t>
             </a:r>
           </a:p>
         </p:txBody>
@@ -6540,7 +6540,7 @@
                             </p:stCondLst>
                             <p:childTnLst>
                               <p:par>
-                                <p:cTn id="34" presetID="16" presetClass="entr" presetSubtype="21" fill="hold" grpId="0" nodeType="clickEffect">
+                                <p:cTn id="34" presetID="1" presetClass="entr" presetSubtype="0" fill="hold" grpId="0" nodeType="clickEffect">
                                   <p:stCondLst>
                                     <p:cond delay="0"/>
                                   </p:stCondLst>
@@ -6553,7 +6553,7 @@
                                           </p:stCondLst>
                                         </p:cTn>
                                         <p:tgtEl>
-                                          <p:spTgt spid="21"/>
+                                          <p:spTgt spid="40"/>
                                         </p:tgtEl>
                                         <p:attrNameLst>
                                           <p:attrName>style.visibility</p:attrName>
@@ -6563,32 +6563,24 @@
                                         <p:strVal val="visible"/>
                                       </p:to>
                                     </p:set>
-                                    <p:animEffect transition="in" filter="barn(inVertical)">
-                                      <p:cBhvr>
-                                        <p:cTn id="36" dur="500"/>
-                                        <p:tgtEl>
-                                          <p:spTgt spid="21"/>
-                                        </p:tgtEl>
-                                      </p:cBhvr>
-                                    </p:animEffect>
                                   </p:childTnLst>
                                 </p:cTn>
                               </p:par>
                               <p:par>
-                                <p:cTn id="37" presetID="16" presetClass="entr" presetSubtype="21" fill="hold" grpId="0" nodeType="withEffect">
+                                <p:cTn id="36" presetID="1" presetClass="entr" presetSubtype="0" fill="hold" grpId="0" nodeType="withEffect">
                                   <p:stCondLst>
                                     <p:cond delay="0"/>
                                   </p:stCondLst>
                                   <p:childTnLst>
                                     <p:set>
                                       <p:cBhvr>
-                                        <p:cTn id="38" dur="1" fill="hold">
+                                        <p:cTn id="37" dur="1" fill="hold">
                                           <p:stCondLst>
                                             <p:cond delay="0"/>
                                           </p:stCondLst>
                                         </p:cTn>
                                         <p:tgtEl>
-                                          <p:spTgt spid="26"/>
+                                          <p:spTgt spid="41"/>
                                         </p:tgtEl>
                                         <p:attrNameLst>
                                           <p:attrName>style.visibility</p:attrName>
@@ -6598,19 +6590,38 @@
                                         <p:strVal val="visible"/>
                                       </p:to>
                                     </p:set>
-                                    <p:animEffect transition="in" filter="barn(inVertical)">
-                                      <p:cBhvr>
-                                        <p:cTn id="39" dur="500"/>
-                                        <p:tgtEl>
-                                          <p:spTgt spid="26"/>
-                                        </p:tgtEl>
-                                      </p:cBhvr>
-                                    </p:animEffect>
                                   </p:childTnLst>
                                 </p:cTn>
                               </p:par>
                               <p:par>
-                                <p:cTn id="40" presetID="16" presetClass="entr" presetSubtype="21" fill="hold" grpId="0" nodeType="withEffect">
+                                <p:cTn id="38" presetID="1" presetClass="entr" presetSubtype="0" fill="hold" grpId="0" nodeType="withEffect">
+                                  <p:stCondLst>
+                                    <p:cond delay="0"/>
+                                  </p:stCondLst>
+                                  <p:childTnLst>
+                                    <p:set>
+                                      <p:cBhvr>
+                                        <p:cTn id="39" dur="1" fill="hold">
+                                          <p:stCondLst>
+                                            <p:cond delay="0"/>
+                                          </p:stCondLst>
+                                        </p:cTn>
+                                        <p:tgtEl>
+                                          <p:spTgt spid="42"/>
+                                        </p:tgtEl>
+                                        <p:attrNameLst>
+                                          <p:attrName>style.visibility</p:attrName>
+                                        </p:attrNameLst>
+                                      </p:cBhvr>
+                                      <p:to>
+                                        <p:strVal val="visible"/>
+                                      </p:to>
+                                    </p:set>
+                                  </p:childTnLst>
+                                </p:cTn>
+                              </p:par>
+                              <p:par>
+                                <p:cTn id="40" presetID="1" presetClass="entr" presetSubtype="0" fill="hold" grpId="0" nodeType="withEffect">
                                   <p:stCondLst>
                                     <p:cond delay="0"/>
                                   </p:stCondLst>
@@ -6623,7 +6634,7 @@
                                           </p:stCondLst>
                                         </p:cTn>
                                         <p:tgtEl>
-                                          <p:spTgt spid="27"/>
+                                          <p:spTgt spid="43"/>
                                         </p:tgtEl>
                                         <p:attrNameLst>
                                           <p:attrName>style.visibility</p:attrName>
@@ -6633,32 +6644,24 @@
                                         <p:strVal val="visible"/>
                                       </p:to>
                                     </p:set>
-                                    <p:animEffect transition="in" filter="barn(inVertical)">
-                                      <p:cBhvr>
-                                        <p:cTn id="42" dur="500"/>
-                                        <p:tgtEl>
-                                          <p:spTgt spid="27"/>
-                                        </p:tgtEl>
-                                      </p:cBhvr>
-                                    </p:animEffect>
                                   </p:childTnLst>
                                 </p:cTn>
                               </p:par>
                               <p:par>
-                                <p:cTn id="43" presetID="16" presetClass="entr" presetSubtype="21" fill="hold" grpId="0" nodeType="withEffect">
+                                <p:cTn id="42" presetID="1" presetClass="entr" presetSubtype="0" fill="hold" grpId="0" nodeType="withEffect">
                                   <p:stCondLst>
                                     <p:cond delay="0"/>
                                   </p:stCondLst>
                                   <p:childTnLst>
                                     <p:set>
                                       <p:cBhvr>
-                                        <p:cTn id="44" dur="1" fill="hold">
+                                        <p:cTn id="43" dur="1" fill="hold">
                                           <p:stCondLst>
                                             <p:cond delay="0"/>
                                           </p:stCondLst>
                                         </p:cTn>
                                         <p:tgtEl>
-                                          <p:spTgt spid="22"/>
+                                          <p:spTgt spid="44"/>
                                         </p:tgtEl>
                                         <p:attrNameLst>
                                           <p:attrName>style.visibility</p:attrName>
@@ -6668,19 +6671,38 @@
                                         <p:strVal val="visible"/>
                                       </p:to>
                                     </p:set>
-                                    <p:animEffect transition="in" filter="barn(inVertical)">
-                                      <p:cBhvr>
-                                        <p:cTn id="45" dur="500"/>
-                                        <p:tgtEl>
-                                          <p:spTgt spid="22"/>
-                                        </p:tgtEl>
-                                      </p:cBhvr>
-                                    </p:animEffect>
                                   </p:childTnLst>
                                 </p:cTn>
                               </p:par>
                               <p:par>
-                                <p:cTn id="46" presetID="16" presetClass="entr" presetSubtype="21" fill="hold" grpId="0" nodeType="withEffect">
+                                <p:cTn id="44" presetID="1" presetClass="entr" presetSubtype="0" fill="hold" grpId="0" nodeType="withEffect">
+                                  <p:stCondLst>
+                                    <p:cond delay="0"/>
+                                  </p:stCondLst>
+                                  <p:childTnLst>
+                                    <p:set>
+                                      <p:cBhvr>
+                                        <p:cTn id="45" dur="1" fill="hold">
+                                          <p:stCondLst>
+                                            <p:cond delay="0"/>
+                                          </p:stCondLst>
+                                        </p:cTn>
+                                        <p:tgtEl>
+                                          <p:spTgt spid="45"/>
+                                        </p:tgtEl>
+                                        <p:attrNameLst>
+                                          <p:attrName>style.visibility</p:attrName>
+                                        </p:attrNameLst>
+                                      </p:cBhvr>
+                                      <p:to>
+                                        <p:strVal val="visible"/>
+                                      </p:to>
+                                    </p:set>
+                                  </p:childTnLst>
+                                </p:cTn>
+                              </p:par>
+                              <p:par>
+                                <p:cTn id="46" presetID="1" presetClass="entr" presetSubtype="0" fill="hold" grpId="0" nodeType="withEffect">
                                   <p:stCondLst>
                                     <p:cond delay="0"/>
                                   </p:stCondLst>
@@ -6693,7 +6715,7 @@
                                           </p:stCondLst>
                                         </p:cTn>
                                         <p:tgtEl>
-                                          <p:spTgt spid="28"/>
+                                          <p:spTgt spid="46"/>
                                         </p:tgtEl>
                                         <p:attrNameLst>
                                           <p:attrName>style.visibility</p:attrName>
@@ -6703,32 +6725,24 @@
                                         <p:strVal val="visible"/>
                                       </p:to>
                                     </p:set>
-                                    <p:animEffect transition="in" filter="barn(inVertical)">
-                                      <p:cBhvr>
-                                        <p:cTn id="48" dur="500"/>
-                                        <p:tgtEl>
-                                          <p:spTgt spid="28"/>
-                                        </p:tgtEl>
-                                      </p:cBhvr>
-                                    </p:animEffect>
                                   </p:childTnLst>
                                 </p:cTn>
                               </p:par>
                               <p:par>
-                                <p:cTn id="49" presetID="16" presetClass="entr" presetSubtype="21" fill="hold" grpId="0" nodeType="withEffect">
+                                <p:cTn id="48" presetID="1" presetClass="entr" presetSubtype="0" fill="hold" grpId="0" nodeType="withEffect">
                                   <p:stCondLst>
                                     <p:cond delay="0"/>
                                   </p:stCondLst>
                                   <p:childTnLst>
                                     <p:set>
                                       <p:cBhvr>
-                                        <p:cTn id="50" dur="1" fill="hold">
+                                        <p:cTn id="49" dur="1" fill="hold">
                                           <p:stCondLst>
                                             <p:cond delay="0"/>
                                           </p:stCondLst>
                                         </p:cTn>
                                         <p:tgtEl>
-                                          <p:spTgt spid="24"/>
+                                          <p:spTgt spid="47"/>
                                         </p:tgtEl>
                                         <p:attrNameLst>
                                           <p:attrName>style.visibility</p:attrName>
@@ -6738,32 +6752,24 @@
                                         <p:strVal val="visible"/>
                                       </p:to>
                                     </p:set>
-                                    <p:animEffect transition="in" filter="barn(inVertical)">
-                                      <p:cBhvr>
-                                        <p:cTn id="51" dur="500"/>
-                                        <p:tgtEl>
-                                          <p:spTgt spid="24"/>
-                                        </p:tgtEl>
-                                      </p:cBhvr>
-                                    </p:animEffect>
                                   </p:childTnLst>
                                 </p:cTn>
                               </p:par>
                               <p:par>
-                                <p:cTn id="52" presetID="16" presetClass="entr" presetSubtype="21" fill="hold" grpId="0" nodeType="withEffect">
+                                <p:cTn id="50" presetID="1" presetClass="entr" presetSubtype="0" fill="hold" grpId="0" nodeType="withEffect">
                                   <p:stCondLst>
                                     <p:cond delay="0"/>
                                   </p:stCondLst>
                                   <p:childTnLst>
                                     <p:set>
                                       <p:cBhvr>
-                                        <p:cTn id="53" dur="1" fill="hold">
+                                        <p:cTn id="51" dur="1" fill="hold">
                                           <p:stCondLst>
                                             <p:cond delay="0"/>
                                           </p:stCondLst>
                                         </p:cTn>
                                         <p:tgtEl>
-                                          <p:spTgt spid="25"/>
+                                          <p:spTgt spid="48"/>
                                         </p:tgtEl>
                                         <p:attrNameLst>
                                           <p:attrName>style.visibility</p:attrName>
@@ -6773,84 +6779,6 @@
                                         <p:strVal val="visible"/>
                                       </p:to>
                                     </p:set>
-                                    <p:animEffect transition="in" filter="barn(inVertical)">
-                                      <p:cBhvr>
-                                        <p:cTn id="54" dur="500"/>
-                                        <p:tgtEl>
-                                          <p:spTgt spid="25"/>
-                                        </p:tgtEl>
-                                      </p:cBhvr>
-                                    </p:animEffect>
-                                  </p:childTnLst>
-                                </p:cTn>
-                              </p:par>
-                              <p:par>
-                                <p:cTn id="55" presetID="16" presetClass="entr" presetSubtype="21" fill="hold" grpId="0" nodeType="withEffect">
-                                  <p:stCondLst>
-                                    <p:cond delay="0"/>
-                                  </p:stCondLst>
-                                  <p:childTnLst>
-                                    <p:set>
-                                      <p:cBhvr>
-                                        <p:cTn id="56" dur="1" fill="hold">
-                                          <p:stCondLst>
-                                            <p:cond delay="0"/>
-                                          </p:stCondLst>
-                                        </p:cTn>
-                                        <p:tgtEl>
-                                          <p:spTgt spid="23"/>
-                                        </p:tgtEl>
-                                        <p:attrNameLst>
-                                          <p:attrName>style.visibility</p:attrName>
-                                        </p:attrNameLst>
-                                      </p:cBhvr>
-                                      <p:to>
-                                        <p:strVal val="visible"/>
-                                      </p:to>
-                                    </p:set>
-                                    <p:animEffect transition="in" filter="barn(inVertical)">
-                                      <p:cBhvr>
-                                        <p:cTn id="57" dur="500"/>
-                                        <p:tgtEl>
-                                          <p:spTgt spid="23"/>
-                                        </p:tgtEl>
-                                      </p:cBhvr>
-                                    </p:animEffect>
-                                  </p:childTnLst>
-                                </p:cTn>
-                              </p:par>
-                              <p:par>
-                                <p:cTn id="58" presetID="16" presetClass="entr" presetSubtype="21" fill="hold" grpId="0" nodeType="withEffect">
-                                  <p:stCondLst>
-                                    <p:cond delay="0"/>
-                                  </p:stCondLst>
-                                  <p:childTnLst>
-                                    <p:set>
-                                      <p:cBhvr>
-                                        <p:cTn id="59" dur="1" fill="hold">
-                                          <p:stCondLst>
-                                            <p:cond delay="0"/>
-                                          </p:stCondLst>
-                                        </p:cTn>
-                                        <p:tgtEl>
-                                          <p:spTgt spid="29"/>
-                                        </p:tgtEl>
-                                        <p:attrNameLst>
-                                          <p:attrName>style.visibility</p:attrName>
-                                        </p:attrNameLst>
-                                      </p:cBhvr>
-                                      <p:to>
-                                        <p:strVal val="visible"/>
-                                      </p:to>
-                                    </p:set>
-                                    <p:animEffect transition="in" filter="barn(inVertical)">
-                                      <p:cBhvr>
-                                        <p:cTn id="60" dur="500"/>
-                                        <p:tgtEl>
-                                          <p:spTgt spid="29"/>
-                                        </p:tgtEl>
-                                      </p:cBhvr>
-                                    </p:animEffect>
                                   </p:childTnLst>
                                 </p:cTn>
                               </p:par>
@@ -6861,26 +6789,26 @@
                     </p:cTn>
                   </p:par>
                   <p:par>
-                    <p:cTn id="61" fill="hold">
+                    <p:cTn id="52" fill="hold">
                       <p:stCondLst>
                         <p:cond delay="indefinite"/>
                       </p:stCondLst>
                       <p:childTnLst>
                         <p:par>
-                          <p:cTn id="62" fill="hold">
+                          <p:cTn id="53" fill="hold">
                             <p:stCondLst>
                               <p:cond delay="0"/>
                             </p:stCondLst>
                             <p:childTnLst>
                               <p:par>
-                                <p:cTn id="63" presetID="16" presetClass="entr" presetSubtype="21" fill="hold" grpId="0" nodeType="clickEffect">
+                                <p:cTn id="54" presetID="1" presetClass="entr" presetSubtype="0" fill="hold" grpId="0" nodeType="clickEffect">
                                   <p:stCondLst>
                                     <p:cond delay="0"/>
                                   </p:stCondLst>
                                   <p:childTnLst>
                                     <p:set>
                                       <p:cBhvr>
-                                        <p:cTn id="64" dur="1" fill="hold">
+                                        <p:cTn id="55" dur="1" fill="hold">
                                           <p:stCondLst>
                                             <p:cond delay="0"/>
                                           </p:stCondLst>
@@ -6896,14 +6824,6 @@
                                         <p:strVal val="visible"/>
                                       </p:to>
                                     </p:set>
-                                    <p:animEffect transition="in" filter="barn(inVertical)">
-                                      <p:cBhvr>
-                                        <p:cTn id="65" dur="500"/>
-                                        <p:tgtEl>
-                                          <p:spTgt spid="30"/>
-                                        </p:tgtEl>
-                                      </p:cBhvr>
-                                    </p:animEffect>
                                   </p:childTnLst>
                                 </p:cTn>
                               </p:par>
@@ -6944,16 +6864,16 @@
       <p:bldP spid="18" grpId="0"/>
       <p:bldP spid="19" grpId="0"/>
       <p:bldP spid="20" grpId="0"/>
-      <p:bldP spid="21" grpId="0"/>
-      <p:bldP spid="22" grpId="0"/>
-      <p:bldP spid="23" grpId="0"/>
-      <p:bldP spid="24" grpId="0"/>
-      <p:bldP spid="25" grpId="0"/>
-      <p:bldP spid="26" grpId="0"/>
-      <p:bldP spid="27" grpId="0"/>
-      <p:bldP spid="28" grpId="0"/>
-      <p:bldP spid="29" grpId="0"/>
       <p:bldP spid="30" grpId="0"/>
+      <p:bldP spid="40" grpId="0"/>
+      <p:bldP spid="41" grpId="0"/>
+      <p:bldP spid="42" grpId="0"/>
+      <p:bldP spid="43" grpId="0"/>
+      <p:bldP spid="44" grpId="0"/>
+      <p:bldP spid="45" grpId="0"/>
+      <p:bldP spid="46" grpId="0"/>
+      <p:bldP spid="47" grpId="0"/>
+      <p:bldP spid="48" grpId="0"/>
     </p:bldLst>
   </p:timing>
 </p:sld>
@@ -7878,7 +7798,7 @@
                   <a:srgbClr val="00B050"/>
                 </a:solidFill>
               </a:rPr>
-              <a:t>45</a:t>
+              <a:t>17</a:t>
             </a:r>
           </a:p>
         </p:txBody>
@@ -7917,7 +7837,7 @@
                   <a:srgbClr val="00B050"/>
                 </a:solidFill>
               </a:rPr>
-              <a:t>83</a:t>
+              <a:t>19</a:t>
             </a:r>
           </a:p>
         </p:txBody>
@@ -8073,7 +7993,7 @@
                   <a:srgbClr val="00B050"/>
                 </a:solidFill>
               </a:rPr>
-              <a:t>1</a:t>
+              <a:t>23</a:t>
             </a:r>
           </a:p>
         </p:txBody>
@@ -8112,7 +8032,7 @@
                   <a:srgbClr val="00B050"/>
                 </a:solidFill>
               </a:rPr>
-              <a:t>121</a:t>
+              <a:t>5</a:t>
             </a:r>
           </a:p>
         </p:txBody>
@@ -8151,7 +8071,7 @@
                   <a:srgbClr val="00B050"/>
                 </a:solidFill>
               </a:rPr>
-              <a:t>9</a:t>
+              <a:t>29</a:t>
             </a:r>
           </a:p>
         </p:txBody>
@@ -22972,8 +22892,8 @@
           </a:prstGeom>
         </p:spPr>
       </p:pic>
-      <mc:AlternateContent xmlns:mc="http://schemas.openxmlformats.org/markup-compatibility/2006">
-        <mc:Choice xmlns:a14="http://schemas.microsoft.com/office/drawing/2010/main" Requires="a14">
+      <mc:AlternateContent xmlns:mc="http://schemas.openxmlformats.org/markup-compatibility/2006" xmlns:a14="http://schemas.microsoft.com/office/drawing/2010/main">
+        <mc:Choice Requires="a14">
           <p:sp>
             <p:nvSpPr>
               <p:cNvPr id="11" name="11 Marcador de contenido">
@@ -23552,7 +23472,7 @@
             </p:txBody>
           </p:sp>
         </mc:Choice>
-        <mc:Fallback>
+        <mc:Fallback xmlns="">
           <p:sp>
             <p:nvSpPr>
               <p:cNvPr id="11" name="11 Marcador de contenido">
@@ -26828,8 +26748,8 @@
           <a:chExt cx="0" cy="0"/>
         </a:xfrm>
       </p:grpSpPr>
-      <mc:AlternateContent xmlns:mc="http://schemas.openxmlformats.org/markup-compatibility/2006">
-        <mc:Choice xmlns:a14="http://schemas.microsoft.com/office/drawing/2010/main" Requires="a14">
+      <mc:AlternateContent xmlns:mc="http://schemas.openxmlformats.org/markup-compatibility/2006" xmlns:a14="http://schemas.microsoft.com/office/drawing/2010/main">
+        <mc:Choice Requires="a14">
           <p:sp>
             <p:nvSpPr>
               <p:cNvPr id="8" name="7 Marcador de contenido"/>
@@ -26937,7 +26857,7 @@
             </p:txBody>
           </p:sp>
         </mc:Choice>
-        <mc:Fallback>
+        <mc:Fallback xmlns="">
           <p:sp>
             <p:nvSpPr>
               <p:cNvPr id="8" name="7 Marcador de contenido"/>
@@ -27173,8 +27093,8 @@
           </a:p>
         </p:txBody>
       </p:sp>
-      <mc:AlternateContent xmlns:mc="http://schemas.openxmlformats.org/markup-compatibility/2006">
-        <mc:Choice xmlns:a14="http://schemas.microsoft.com/office/drawing/2010/main" Requires="a14">
+      <mc:AlternateContent xmlns:mc="http://schemas.openxmlformats.org/markup-compatibility/2006" xmlns:a14="http://schemas.microsoft.com/office/drawing/2010/main">
+        <mc:Choice Requires="a14">
           <p:sp>
             <p:nvSpPr>
               <p:cNvPr id="15" name="CuadroTexto 14">
@@ -27203,6 +27123,7 @@
               </a:bodyPr>
               <a:lstStyle/>
               <a:p>
+                <a:pPr/>
                 <a14:m>
                   <m:oMathPara xmlns:m="http://schemas.openxmlformats.org/officeDocument/2006/math">
                     <m:oMathParaPr>
@@ -27303,7 +27224,7 @@
             </p:txBody>
           </p:sp>
         </mc:Choice>
-        <mc:Fallback>
+        <mc:Fallback xmlns="">
           <p:sp>
             <p:nvSpPr>
               <p:cNvPr id="15" name="CuadroTexto 14">
@@ -27348,8 +27269,8 @@
           </p:sp>
         </mc:Fallback>
       </mc:AlternateContent>
-      <mc:AlternateContent xmlns:mc="http://schemas.openxmlformats.org/markup-compatibility/2006">
-        <mc:Choice xmlns:a14="http://schemas.microsoft.com/office/drawing/2010/main" Requires="a14">
+      <mc:AlternateContent xmlns:mc="http://schemas.openxmlformats.org/markup-compatibility/2006" xmlns:a14="http://schemas.microsoft.com/office/drawing/2010/main">
+        <mc:Choice Requires="a14">
           <p:sp>
             <p:nvSpPr>
               <p:cNvPr id="6" name="Rectángulo 5">
@@ -27520,7 +27441,7 @@
             </p:txBody>
           </p:sp>
         </mc:Choice>
-        <mc:Fallback>
+        <mc:Fallback xmlns="">
           <p:sp>
             <p:nvSpPr>
               <p:cNvPr id="6" name="Rectángulo 5">
@@ -27565,8 +27486,8 @@
           </p:sp>
         </mc:Fallback>
       </mc:AlternateContent>
-      <mc:AlternateContent xmlns:mc="http://schemas.openxmlformats.org/markup-compatibility/2006">
-        <mc:Choice xmlns:a14="http://schemas.microsoft.com/office/drawing/2010/main" Requires="a14">
+      <mc:AlternateContent xmlns:mc="http://schemas.openxmlformats.org/markup-compatibility/2006" xmlns:a14="http://schemas.microsoft.com/office/drawing/2010/main">
+        <mc:Choice Requires="a14">
           <p:sp>
             <p:nvSpPr>
               <p:cNvPr id="7" name="Rectángulo 6">
@@ -27725,7 +27646,7 @@
             </p:txBody>
           </p:sp>
         </mc:Choice>
-        <mc:Fallback>
+        <mc:Fallback xmlns="">
           <p:sp>
             <p:nvSpPr>
               <p:cNvPr id="7" name="Rectángulo 6">
@@ -27980,8 +27901,8 @@
           </a:p>
         </p:txBody>
       </p:sp>
-      <mc:AlternateContent xmlns:mc="http://schemas.openxmlformats.org/markup-compatibility/2006">
-        <mc:Choice xmlns:a14="http://schemas.microsoft.com/office/drawing/2010/main" Requires="a14">
+      <mc:AlternateContent xmlns:mc="http://schemas.openxmlformats.org/markup-compatibility/2006" xmlns:a14="http://schemas.microsoft.com/office/drawing/2010/main">
+        <mc:Choice Requires="a14">
           <p:sp>
             <p:nvSpPr>
               <p:cNvPr id="22" name="CuadroTexto 21">
@@ -28010,6 +27931,7 @@
               </a:bodyPr>
               <a:lstStyle/>
               <a:p>
+                <a:pPr/>
                 <a14:m>
                   <m:oMathPara xmlns:m="http://schemas.openxmlformats.org/officeDocument/2006/math">
                     <m:oMathParaPr>
@@ -28096,7 +28018,7 @@
             </p:txBody>
           </p:sp>
         </mc:Choice>
-        <mc:Fallback>
+        <mc:Fallback xmlns="">
           <p:sp>
             <p:nvSpPr>
               <p:cNvPr id="22" name="CuadroTexto 21">
@@ -28141,8 +28063,8 @@
           </p:sp>
         </mc:Fallback>
       </mc:AlternateContent>
-      <mc:AlternateContent xmlns:mc="http://schemas.openxmlformats.org/markup-compatibility/2006">
-        <mc:Choice xmlns:a14="http://schemas.microsoft.com/office/drawing/2010/main" Requires="a14">
+      <mc:AlternateContent xmlns:mc="http://schemas.openxmlformats.org/markup-compatibility/2006" xmlns:a14="http://schemas.microsoft.com/office/drawing/2010/main">
+        <mc:Choice Requires="a14">
           <p:sp>
             <p:nvSpPr>
               <p:cNvPr id="23" name="CuadroTexto 22">
@@ -28171,6 +28093,7 @@
               </a:bodyPr>
               <a:lstStyle/>
               <a:p>
+                <a:pPr/>
                 <a14:m>
                   <m:oMathPara xmlns:m="http://schemas.openxmlformats.org/officeDocument/2006/math">
                     <m:oMathParaPr>
@@ -28269,7 +28192,7 @@
             </p:txBody>
           </p:sp>
         </mc:Choice>
-        <mc:Fallback>
+        <mc:Fallback xmlns="">
           <p:sp>
             <p:nvSpPr>
               <p:cNvPr id="23" name="CuadroTexto 22">
@@ -28530,8 +28453,8 @@
           </a:p>
         </p:txBody>
       </p:sp>
-      <mc:AlternateContent xmlns:mc="http://schemas.openxmlformats.org/markup-compatibility/2006">
-        <mc:Choice xmlns:a14="http://schemas.microsoft.com/office/drawing/2010/main" Requires="a14">
+      <mc:AlternateContent xmlns:mc="http://schemas.openxmlformats.org/markup-compatibility/2006" xmlns:a14="http://schemas.microsoft.com/office/drawing/2010/main">
+        <mc:Choice Requires="a14">
           <p:sp>
             <p:nvSpPr>
               <p:cNvPr id="29" name="CuadroTexto 28">
@@ -28560,6 +28483,7 @@
               </a:bodyPr>
               <a:lstStyle/>
               <a:p>
+                <a:pPr/>
                 <a14:m>
                   <m:oMathPara xmlns:m="http://schemas.openxmlformats.org/officeDocument/2006/math">
                     <m:oMathParaPr>
@@ -28597,7 +28521,7 @@
             </p:txBody>
           </p:sp>
         </mc:Choice>
-        <mc:Fallback>
+        <mc:Fallback xmlns="">
           <p:sp>
             <p:nvSpPr>
               <p:cNvPr id="29" name="CuadroTexto 28">
@@ -28642,8 +28566,8 @@
           </p:sp>
         </mc:Fallback>
       </mc:AlternateContent>
-      <mc:AlternateContent xmlns:mc="http://schemas.openxmlformats.org/markup-compatibility/2006">
-        <mc:Choice xmlns:a14="http://schemas.microsoft.com/office/drawing/2010/main" Requires="a14">
+      <mc:AlternateContent xmlns:mc="http://schemas.openxmlformats.org/markup-compatibility/2006" xmlns:a14="http://schemas.microsoft.com/office/drawing/2010/main">
+        <mc:Choice Requires="a14">
           <p:sp>
             <p:nvSpPr>
               <p:cNvPr id="30" name="CuadroTexto 29">
@@ -28672,6 +28596,7 @@
               </a:bodyPr>
               <a:lstStyle/>
               <a:p>
+                <a:pPr/>
                 <a14:m>
                   <m:oMathPara xmlns:m="http://schemas.openxmlformats.org/officeDocument/2006/math">
                     <m:oMathParaPr>
@@ -28733,7 +28658,7 @@
             </p:txBody>
           </p:sp>
         </mc:Choice>
-        <mc:Fallback>
+        <mc:Fallback xmlns="">
           <p:sp>
             <p:nvSpPr>
               <p:cNvPr id="30" name="CuadroTexto 29">
@@ -30347,8 +30272,8 @@
           </a:prstGeom>
         </p:spPr>
       </p:pic>
-      <mc:AlternateContent xmlns:mc="http://schemas.openxmlformats.org/markup-compatibility/2006">
-        <mc:Choice xmlns:a14="http://schemas.microsoft.com/office/drawing/2010/main" Requires="a14">
+      <mc:AlternateContent xmlns:mc="http://schemas.openxmlformats.org/markup-compatibility/2006" xmlns:a14="http://schemas.microsoft.com/office/drawing/2010/main">
+        <mc:Choice Requires="a14">
           <p:sp>
             <p:nvSpPr>
               <p:cNvPr id="11" name="11 Marcador de contenido">
@@ -30880,7 +30805,7 @@
             </p:txBody>
           </p:sp>
         </mc:Choice>
-        <mc:Fallback>
+        <mc:Fallback xmlns="">
           <p:sp>
             <p:nvSpPr>
               <p:cNvPr id="11" name="11 Marcador de contenido">
@@ -31453,8 +31378,8 @@
           </a:prstGeom>
         </p:spPr>
       </p:pic>
-      <mc:AlternateContent xmlns:mc="http://schemas.openxmlformats.org/markup-compatibility/2006">
-        <mc:Choice xmlns:a14="http://schemas.microsoft.com/office/drawing/2010/main" Requires="a14">
+      <mc:AlternateContent xmlns:mc="http://schemas.openxmlformats.org/markup-compatibility/2006" xmlns:a14="http://schemas.microsoft.com/office/drawing/2010/main">
+        <mc:Choice Requires="a14">
           <p:sp>
             <p:nvSpPr>
               <p:cNvPr id="11" name="11 Marcador de contenido">
@@ -32001,7 +31926,7 @@
             </p:txBody>
           </p:sp>
         </mc:Choice>
-        <mc:Fallback>
+        <mc:Fallback xmlns="">
           <p:sp>
             <p:nvSpPr>
               <p:cNvPr id="11" name="11 Marcador de contenido">
@@ -32697,8 +32622,8 @@
           </a:p>
         </p:txBody>
       </p:sp>
-      <mc:AlternateContent xmlns:mc="http://schemas.openxmlformats.org/markup-compatibility/2006">
-        <mc:Choice xmlns:a14="http://schemas.microsoft.com/office/drawing/2010/main" Requires="a14">
+      <mc:AlternateContent xmlns:mc="http://schemas.openxmlformats.org/markup-compatibility/2006" xmlns:a14="http://schemas.microsoft.com/office/drawing/2010/main">
+        <mc:Choice Requires="a14">
           <p:sp>
             <p:nvSpPr>
               <p:cNvPr id="5" name="CuadroTexto 4">
@@ -32727,6 +32652,7 @@
               </a:bodyPr>
               <a:lstStyle/>
               <a:p>
+                <a:pPr/>
                 <a14:m>
                   <m:oMathPara xmlns:m="http://schemas.openxmlformats.org/officeDocument/2006/math">
                     <m:oMathParaPr>
@@ -32875,7 +32801,7 @@
             </p:txBody>
           </p:sp>
         </mc:Choice>
-        <mc:Fallback>
+        <mc:Fallback xmlns="">
           <p:sp>
             <p:nvSpPr>
               <p:cNvPr id="5" name="CuadroTexto 4">
@@ -32920,8 +32846,8 @@
           </p:sp>
         </mc:Fallback>
       </mc:AlternateContent>
-      <mc:AlternateContent xmlns:mc="http://schemas.openxmlformats.org/markup-compatibility/2006">
-        <mc:Choice xmlns:a14="http://schemas.microsoft.com/office/drawing/2010/main" Requires="a14">
+      <mc:AlternateContent xmlns:mc="http://schemas.openxmlformats.org/markup-compatibility/2006" xmlns:a14="http://schemas.microsoft.com/office/drawing/2010/main">
+        <mc:Choice Requires="a14">
           <p:sp>
             <p:nvSpPr>
               <p:cNvPr id="17" name="CuadroTexto 16">
@@ -32950,6 +32876,7 @@
               </a:bodyPr>
               <a:lstStyle/>
               <a:p>
+                <a:pPr/>
                 <a14:m>
                   <m:oMathPara xmlns:m="http://schemas.openxmlformats.org/officeDocument/2006/math">
                     <m:oMathParaPr>
@@ -33043,7 +32970,7 @@
             </p:txBody>
           </p:sp>
         </mc:Choice>
-        <mc:Fallback>
+        <mc:Fallback xmlns="">
           <p:sp>
             <p:nvSpPr>
               <p:cNvPr id="17" name="CuadroTexto 16">
@@ -33088,8 +33015,8 @@
           </p:sp>
         </mc:Fallback>
       </mc:AlternateContent>
-      <mc:AlternateContent xmlns:mc="http://schemas.openxmlformats.org/markup-compatibility/2006">
-        <mc:Choice xmlns:a14="http://schemas.microsoft.com/office/drawing/2010/main" Requires="a14">
+      <mc:AlternateContent xmlns:mc="http://schemas.openxmlformats.org/markup-compatibility/2006" xmlns:a14="http://schemas.microsoft.com/office/drawing/2010/main">
+        <mc:Choice Requires="a14">
           <p:sp>
             <p:nvSpPr>
               <p:cNvPr id="18" name="CuadroTexto 17">
@@ -33118,6 +33045,7 @@
               </a:bodyPr>
               <a:lstStyle/>
               <a:p>
+                <a:pPr/>
                 <a14:m>
                   <m:oMathPara xmlns:m="http://schemas.openxmlformats.org/officeDocument/2006/math">
                     <m:oMathParaPr>
@@ -33233,7 +33161,7 @@
             </p:txBody>
           </p:sp>
         </mc:Choice>
-        <mc:Fallback>
+        <mc:Fallback xmlns="">
           <p:sp>
             <p:nvSpPr>
               <p:cNvPr id="18" name="CuadroTexto 17">
@@ -33278,8 +33206,8 @@
           </p:sp>
         </mc:Fallback>
       </mc:AlternateContent>
-      <mc:AlternateContent xmlns:mc="http://schemas.openxmlformats.org/markup-compatibility/2006">
-        <mc:Choice xmlns:a14="http://schemas.microsoft.com/office/drawing/2010/main" Requires="a14">
+      <mc:AlternateContent xmlns:mc="http://schemas.openxmlformats.org/markup-compatibility/2006" xmlns:a14="http://schemas.microsoft.com/office/drawing/2010/main">
+        <mc:Choice Requires="a14">
           <p:sp>
             <p:nvSpPr>
               <p:cNvPr id="20" name="CuadroTexto 19">
@@ -33308,6 +33236,7 @@
               </a:bodyPr>
               <a:lstStyle/>
               <a:p>
+                <a:pPr/>
                 <a14:m>
                   <m:oMathPara xmlns:m="http://schemas.openxmlformats.org/officeDocument/2006/math">
                     <m:oMathParaPr>
@@ -33481,7 +33410,7 @@
             </p:txBody>
           </p:sp>
         </mc:Choice>
-        <mc:Fallback>
+        <mc:Fallback xmlns="">
           <p:sp>
             <p:nvSpPr>
               <p:cNvPr id="20" name="CuadroTexto 19">
@@ -33526,8 +33455,8 @@
           </p:sp>
         </mc:Fallback>
       </mc:AlternateContent>
-      <mc:AlternateContent xmlns:mc="http://schemas.openxmlformats.org/markup-compatibility/2006">
-        <mc:Choice xmlns:a14="http://schemas.microsoft.com/office/drawing/2010/main" Requires="a14">
+      <mc:AlternateContent xmlns:mc="http://schemas.openxmlformats.org/markup-compatibility/2006" xmlns:a14="http://schemas.microsoft.com/office/drawing/2010/main">
+        <mc:Choice Requires="a14">
           <p:sp>
             <p:nvSpPr>
               <p:cNvPr id="21" name="CuadroTexto 20">
@@ -33556,6 +33485,7 @@
               </a:bodyPr>
               <a:lstStyle/>
               <a:p>
+                <a:pPr/>
                 <a14:m>
                   <m:oMathPara xmlns:m="http://schemas.openxmlformats.org/officeDocument/2006/math">
                     <m:oMathParaPr>
@@ -33631,7 +33561,7 @@
             </p:txBody>
           </p:sp>
         </mc:Choice>
-        <mc:Fallback>
+        <mc:Fallback xmlns="">
           <p:sp>
             <p:nvSpPr>
               <p:cNvPr id="21" name="CuadroTexto 20">
@@ -33676,8 +33606,8 @@
           </p:sp>
         </mc:Fallback>
       </mc:AlternateContent>
-      <mc:AlternateContent xmlns:mc="http://schemas.openxmlformats.org/markup-compatibility/2006">
-        <mc:Choice xmlns:a14="http://schemas.microsoft.com/office/drawing/2010/main" Requires="a14">
+      <mc:AlternateContent xmlns:mc="http://schemas.openxmlformats.org/markup-compatibility/2006" xmlns:a14="http://schemas.microsoft.com/office/drawing/2010/main">
+        <mc:Choice Requires="a14">
           <p:sp>
             <p:nvSpPr>
               <p:cNvPr id="22" name="CuadroTexto 21">
@@ -33706,6 +33636,7 @@
               </a:bodyPr>
               <a:lstStyle/>
               <a:p>
+                <a:pPr/>
                 <a14:m>
                   <m:oMathPara xmlns:m="http://schemas.openxmlformats.org/officeDocument/2006/math">
                     <m:oMathParaPr>
@@ -33834,7 +33765,7 @@
             </p:txBody>
           </p:sp>
         </mc:Choice>
-        <mc:Fallback>
+        <mc:Fallback xmlns="">
           <p:sp>
             <p:nvSpPr>
               <p:cNvPr id="22" name="CuadroTexto 21">
@@ -35398,8 +35329,8 @@
           </a:prstGeom>
         </p:spPr>
       </p:pic>
-      <mc:AlternateContent xmlns:mc="http://schemas.openxmlformats.org/markup-compatibility/2006">
-        <mc:Choice xmlns:a14="http://schemas.microsoft.com/office/drawing/2010/main" Requires="a14">
+      <mc:AlternateContent xmlns:mc="http://schemas.openxmlformats.org/markup-compatibility/2006" xmlns:a14="http://schemas.microsoft.com/office/drawing/2010/main">
+        <mc:Choice Requires="a14">
           <p:sp>
             <p:nvSpPr>
               <p:cNvPr id="11" name="11 Marcador de contenido">
@@ -35747,23 +35678,7 @@
                               </a:effectLst>
                               <a:latin typeface="Cambria Math" panose="02040503050406030204" pitchFamily="18" charset="0"/>
                             </a:rPr>
-                            <m:t>1</m:t>
-                          </m:r>
-                          <m:r>
-                            <a:rPr lang="es-MX" sz="3200" b="0" i="1" smtClean="0">
-                              <a:solidFill>
-                                <a:srgbClr val="FF0000"/>
-                              </a:solidFill>
-                              <a:effectLst>
-                                <a:outerShdw blurRad="38100" dist="38100" dir="2700000" algn="tl">
-                                  <a:srgbClr val="000000">
-                                    <a:alpha val="43137"/>
-                                  </a:srgbClr>
-                                </a:outerShdw>
-                              </a:effectLst>
-                              <a:latin typeface="Cambria Math" panose="02040503050406030204" pitchFamily="18" charset="0"/>
-                            </a:rPr>
-                            <m:t>5</m:t>
+                            <m:t>15</m:t>
                           </m:r>
                         </m:den>
                       </m:f>
@@ -35781,23 +35696,7 @@
                           </a:effectLst>
                           <a:latin typeface="Cambria Math" panose="02040503050406030204" pitchFamily="18" charset="0"/>
                         </a:rPr>
-                        <m:t>=0.0</m:t>
-                      </m:r>
-                      <m:r>
-                        <a:rPr lang="es-MX" sz="3200" b="0" i="1" smtClean="0">
-                          <a:solidFill>
-                            <a:srgbClr val="FF0000"/>
-                          </a:solidFill>
-                          <a:effectLst>
-                            <a:outerShdw blurRad="38100" dist="38100" dir="2700000" algn="tl">
-                              <a:srgbClr val="000000">
-                                <a:alpha val="43137"/>
-                              </a:srgbClr>
-                            </a:outerShdw>
-                          </a:effectLst>
-                          <a:latin typeface="Cambria Math" panose="02040503050406030204" pitchFamily="18" charset="0"/>
-                        </a:rPr>
-                        <m:t>666</m:t>
+                        <m:t>=0.0666</m:t>
                       </m:r>
                     </m:oMath>
                   </m:oMathPara>
@@ -35983,7 +35882,7 @@
             </p:txBody>
           </p:sp>
         </mc:Choice>
-        <mc:Fallback>
+        <mc:Fallback xmlns="">
           <p:sp>
             <p:nvSpPr>
               <p:cNvPr id="11" name="11 Marcador de contenido">
@@ -37056,8 +36955,8 @@
           <a:chExt cx="0" cy="0"/>
         </a:xfrm>
       </p:grpSpPr>
-      <mc:AlternateContent xmlns:mc="http://schemas.openxmlformats.org/markup-compatibility/2006">
-        <mc:Choice xmlns:a14="http://schemas.microsoft.com/office/drawing/2010/main" Requires="a14">
+      <mc:AlternateContent xmlns:mc="http://schemas.openxmlformats.org/markup-compatibility/2006" xmlns:a14="http://schemas.microsoft.com/office/drawing/2010/main">
+        <mc:Choice Requires="a14">
           <p:sp>
             <p:nvSpPr>
               <p:cNvPr id="8" name="7 Marcador de contenido"/>
@@ -37165,7 +37064,7 @@
             </p:txBody>
           </p:sp>
         </mc:Choice>
-        <mc:Fallback>
+        <mc:Fallback xmlns="">
           <p:sp>
             <p:nvSpPr>
               <p:cNvPr id="8" name="7 Marcador de contenido"/>
@@ -37401,8 +37300,8 @@
           </a:p>
         </p:txBody>
       </p:sp>
-      <mc:AlternateContent xmlns:mc="http://schemas.openxmlformats.org/markup-compatibility/2006">
-        <mc:Choice xmlns:a14="http://schemas.microsoft.com/office/drawing/2010/main" Requires="a14">
+      <mc:AlternateContent xmlns:mc="http://schemas.openxmlformats.org/markup-compatibility/2006" xmlns:a14="http://schemas.microsoft.com/office/drawing/2010/main">
+        <mc:Choice Requires="a14">
           <p:sp>
             <p:nvSpPr>
               <p:cNvPr id="15" name="CuadroTexto 14">
@@ -37431,6 +37330,7 @@
               </a:bodyPr>
               <a:lstStyle/>
               <a:p>
+                <a:pPr/>
                 <a14:m>
                   <m:oMathPara xmlns:m="http://schemas.openxmlformats.org/officeDocument/2006/math">
                     <m:oMathParaPr>
@@ -37531,7 +37431,7 @@
             </p:txBody>
           </p:sp>
         </mc:Choice>
-        <mc:Fallback>
+        <mc:Fallback xmlns="">
           <p:sp>
             <p:nvSpPr>
               <p:cNvPr id="15" name="CuadroTexto 14">
@@ -37576,8 +37476,8 @@
           </p:sp>
         </mc:Fallback>
       </mc:AlternateContent>
-      <mc:AlternateContent xmlns:mc="http://schemas.openxmlformats.org/markup-compatibility/2006">
-        <mc:Choice xmlns:a14="http://schemas.microsoft.com/office/drawing/2010/main" Requires="a14">
+      <mc:AlternateContent xmlns:mc="http://schemas.openxmlformats.org/markup-compatibility/2006" xmlns:a14="http://schemas.microsoft.com/office/drawing/2010/main">
+        <mc:Choice Requires="a14">
           <p:sp>
             <p:nvSpPr>
               <p:cNvPr id="6" name="Rectángulo 5">
@@ -37748,7 +37648,7 @@
             </p:txBody>
           </p:sp>
         </mc:Choice>
-        <mc:Fallback>
+        <mc:Fallback xmlns="">
           <p:sp>
             <p:nvSpPr>
               <p:cNvPr id="6" name="Rectángulo 5">
@@ -37793,8 +37693,8 @@
           </p:sp>
         </mc:Fallback>
       </mc:AlternateContent>
-      <mc:AlternateContent xmlns:mc="http://schemas.openxmlformats.org/markup-compatibility/2006">
-        <mc:Choice xmlns:a14="http://schemas.microsoft.com/office/drawing/2010/main" Requires="a14">
+      <mc:AlternateContent xmlns:mc="http://schemas.openxmlformats.org/markup-compatibility/2006" xmlns:a14="http://schemas.microsoft.com/office/drawing/2010/main">
+        <mc:Choice Requires="a14">
           <p:sp>
             <p:nvSpPr>
               <p:cNvPr id="7" name="Rectángulo 6">
@@ -37953,7 +37853,7 @@
             </p:txBody>
           </p:sp>
         </mc:Choice>
-        <mc:Fallback>
+        <mc:Fallback xmlns="">
           <p:sp>
             <p:nvSpPr>
               <p:cNvPr id="7" name="Rectángulo 6">
@@ -38208,8 +38108,8 @@
           </a:p>
         </p:txBody>
       </p:sp>
-      <mc:AlternateContent xmlns:mc="http://schemas.openxmlformats.org/markup-compatibility/2006">
-        <mc:Choice xmlns:a14="http://schemas.microsoft.com/office/drawing/2010/main" Requires="a14">
+      <mc:AlternateContent xmlns:mc="http://schemas.openxmlformats.org/markup-compatibility/2006" xmlns:a14="http://schemas.microsoft.com/office/drawing/2010/main">
+        <mc:Choice Requires="a14">
           <p:sp>
             <p:nvSpPr>
               <p:cNvPr id="22" name="CuadroTexto 21">
@@ -38238,6 +38138,7 @@
               </a:bodyPr>
               <a:lstStyle/>
               <a:p>
+                <a:pPr/>
                 <a14:m>
                   <m:oMathPara xmlns:m="http://schemas.openxmlformats.org/officeDocument/2006/math">
                     <m:oMathParaPr>
@@ -38324,7 +38225,7 @@
             </p:txBody>
           </p:sp>
         </mc:Choice>
-        <mc:Fallback>
+        <mc:Fallback xmlns="">
           <p:sp>
             <p:nvSpPr>
               <p:cNvPr id="22" name="CuadroTexto 21">
@@ -38369,8 +38270,8 @@
           </p:sp>
         </mc:Fallback>
       </mc:AlternateContent>
-      <mc:AlternateContent xmlns:mc="http://schemas.openxmlformats.org/markup-compatibility/2006">
-        <mc:Choice xmlns:a14="http://schemas.microsoft.com/office/drawing/2010/main" Requires="a14">
+      <mc:AlternateContent xmlns:mc="http://schemas.openxmlformats.org/markup-compatibility/2006" xmlns:a14="http://schemas.microsoft.com/office/drawing/2010/main">
+        <mc:Choice Requires="a14">
           <p:sp>
             <p:nvSpPr>
               <p:cNvPr id="23" name="CuadroTexto 22">
@@ -38399,6 +38300,7 @@
               </a:bodyPr>
               <a:lstStyle/>
               <a:p>
+                <a:pPr/>
                 <a14:m>
                   <m:oMathPara xmlns:m="http://schemas.openxmlformats.org/officeDocument/2006/math">
                     <m:oMathParaPr>
@@ -38497,7 +38399,7 @@
             </p:txBody>
           </p:sp>
         </mc:Choice>
-        <mc:Fallback>
+        <mc:Fallback xmlns="">
           <p:sp>
             <p:nvSpPr>
               <p:cNvPr id="23" name="CuadroTexto 22">
@@ -38758,8 +38660,8 @@
           </a:p>
         </p:txBody>
       </p:sp>
-      <mc:AlternateContent xmlns:mc="http://schemas.openxmlformats.org/markup-compatibility/2006">
-        <mc:Choice xmlns:a14="http://schemas.microsoft.com/office/drawing/2010/main" Requires="a14">
+      <mc:AlternateContent xmlns:mc="http://schemas.openxmlformats.org/markup-compatibility/2006" xmlns:a14="http://schemas.microsoft.com/office/drawing/2010/main">
+        <mc:Choice Requires="a14">
           <p:sp>
             <p:nvSpPr>
               <p:cNvPr id="29" name="CuadroTexto 28">
@@ -38788,6 +38690,7 @@
               </a:bodyPr>
               <a:lstStyle/>
               <a:p>
+                <a:pPr/>
                 <a14:m>
                   <m:oMathPara xmlns:m="http://schemas.openxmlformats.org/officeDocument/2006/math">
                     <m:oMathParaPr>
@@ -38825,7 +38728,7 @@
             </p:txBody>
           </p:sp>
         </mc:Choice>
-        <mc:Fallback>
+        <mc:Fallback xmlns="">
           <p:sp>
             <p:nvSpPr>
               <p:cNvPr id="29" name="CuadroTexto 28">
@@ -38870,8 +38773,8 @@
           </p:sp>
         </mc:Fallback>
       </mc:AlternateContent>
-      <mc:AlternateContent xmlns:mc="http://schemas.openxmlformats.org/markup-compatibility/2006">
-        <mc:Choice xmlns:a14="http://schemas.microsoft.com/office/drawing/2010/main" Requires="a14">
+      <mc:AlternateContent xmlns:mc="http://schemas.openxmlformats.org/markup-compatibility/2006" xmlns:a14="http://schemas.microsoft.com/office/drawing/2010/main">
+        <mc:Choice Requires="a14">
           <p:sp>
             <p:nvSpPr>
               <p:cNvPr id="30" name="CuadroTexto 29">
@@ -38900,6 +38803,7 @@
               </a:bodyPr>
               <a:lstStyle/>
               <a:p>
+                <a:pPr/>
                 <a14:m>
                   <m:oMathPara xmlns:m="http://schemas.openxmlformats.org/officeDocument/2006/math">
                     <m:oMathParaPr>
@@ -38961,7 +38865,7 @@
             </p:txBody>
           </p:sp>
         </mc:Choice>
-        <mc:Fallback>
+        <mc:Fallback xmlns="">
           <p:sp>
             <p:nvSpPr>
               <p:cNvPr id="30" name="CuadroTexto 29">
@@ -40229,8 +40133,8 @@
           </a:prstGeom>
         </p:spPr>
       </p:pic>
-      <mc:AlternateContent xmlns:mc="http://schemas.openxmlformats.org/markup-compatibility/2006">
-        <mc:Choice xmlns:a14="http://schemas.microsoft.com/office/drawing/2010/main" Requires="a14">
+      <mc:AlternateContent xmlns:mc="http://schemas.openxmlformats.org/markup-compatibility/2006" xmlns:a14="http://schemas.microsoft.com/office/drawing/2010/main">
+        <mc:Choice Requires="a14">
           <p:sp>
             <p:nvSpPr>
               <p:cNvPr id="11" name="11 Marcador de contenido">
@@ -40762,7 +40666,7 @@
             </p:txBody>
           </p:sp>
         </mc:Choice>
-        <mc:Fallback>
+        <mc:Fallback xmlns="">
           <p:sp>
             <p:nvSpPr>
               <p:cNvPr id="11" name="11 Marcador de contenido">
@@ -41335,8 +41239,8 @@
           </a:prstGeom>
         </p:spPr>
       </p:pic>
-      <mc:AlternateContent xmlns:mc="http://schemas.openxmlformats.org/markup-compatibility/2006">
-        <mc:Choice xmlns:a14="http://schemas.microsoft.com/office/drawing/2010/main" Requires="a14">
+      <mc:AlternateContent xmlns:mc="http://schemas.openxmlformats.org/markup-compatibility/2006" xmlns:a14="http://schemas.microsoft.com/office/drawing/2010/main">
+        <mc:Choice Requires="a14">
           <p:sp>
             <p:nvSpPr>
               <p:cNvPr id="11" name="11 Marcador de contenido">
@@ -41883,7 +41787,7 @@
             </p:txBody>
           </p:sp>
         </mc:Choice>
-        <mc:Fallback>
+        <mc:Fallback xmlns="">
           <p:sp>
             <p:nvSpPr>
               <p:cNvPr id="11" name="11 Marcador de contenido">
@@ -42967,8 +42871,8 @@
           </a:p>
         </p:txBody>
       </p:sp>
-      <mc:AlternateContent xmlns:mc="http://schemas.openxmlformats.org/markup-compatibility/2006">
-        <mc:Choice xmlns:a14="http://schemas.microsoft.com/office/drawing/2010/main" Requires="a14">
+      <mc:AlternateContent xmlns:mc="http://schemas.openxmlformats.org/markup-compatibility/2006" xmlns:a14="http://schemas.microsoft.com/office/drawing/2010/main">
+        <mc:Choice Requires="a14">
           <p:sp>
             <p:nvSpPr>
               <p:cNvPr id="5" name="CuadroTexto 4">
@@ -42997,6 +42901,7 @@
               </a:bodyPr>
               <a:lstStyle/>
               <a:p>
+                <a:pPr/>
                 <a14:m>
                   <m:oMathPara xmlns:m="http://schemas.openxmlformats.org/officeDocument/2006/math">
                     <m:oMathParaPr>
@@ -43145,7 +43050,7 @@
             </p:txBody>
           </p:sp>
         </mc:Choice>
-        <mc:Fallback>
+        <mc:Fallback xmlns="">
           <p:sp>
             <p:nvSpPr>
               <p:cNvPr id="5" name="CuadroTexto 4">
@@ -43190,8 +43095,8 @@
           </p:sp>
         </mc:Fallback>
       </mc:AlternateContent>
-      <mc:AlternateContent xmlns:mc="http://schemas.openxmlformats.org/markup-compatibility/2006">
-        <mc:Choice xmlns:a14="http://schemas.microsoft.com/office/drawing/2010/main" Requires="a14">
+      <mc:AlternateContent xmlns:mc="http://schemas.openxmlformats.org/markup-compatibility/2006" xmlns:a14="http://schemas.microsoft.com/office/drawing/2010/main">
+        <mc:Choice Requires="a14">
           <p:sp>
             <p:nvSpPr>
               <p:cNvPr id="17" name="CuadroTexto 16">
@@ -43220,6 +43125,7 @@
               </a:bodyPr>
               <a:lstStyle/>
               <a:p>
+                <a:pPr/>
                 <a14:m>
                   <m:oMathPara xmlns:m="http://schemas.openxmlformats.org/officeDocument/2006/math">
                     <m:oMathParaPr>
@@ -43313,7 +43219,7 @@
             </p:txBody>
           </p:sp>
         </mc:Choice>
-        <mc:Fallback>
+        <mc:Fallback xmlns="">
           <p:sp>
             <p:nvSpPr>
               <p:cNvPr id="17" name="CuadroTexto 16">
@@ -43358,8 +43264,8 @@
           </p:sp>
         </mc:Fallback>
       </mc:AlternateContent>
-      <mc:AlternateContent xmlns:mc="http://schemas.openxmlformats.org/markup-compatibility/2006">
-        <mc:Choice xmlns:a14="http://schemas.microsoft.com/office/drawing/2010/main" Requires="a14">
+      <mc:AlternateContent xmlns:mc="http://schemas.openxmlformats.org/markup-compatibility/2006" xmlns:a14="http://schemas.microsoft.com/office/drawing/2010/main">
+        <mc:Choice Requires="a14">
           <p:sp>
             <p:nvSpPr>
               <p:cNvPr id="18" name="CuadroTexto 17">
@@ -43388,6 +43294,7 @@
               </a:bodyPr>
               <a:lstStyle/>
               <a:p>
+                <a:pPr/>
                 <a14:m>
                   <m:oMathPara xmlns:m="http://schemas.openxmlformats.org/officeDocument/2006/math">
                     <m:oMathParaPr>
@@ -43503,7 +43410,7 @@
             </p:txBody>
           </p:sp>
         </mc:Choice>
-        <mc:Fallback>
+        <mc:Fallback xmlns="">
           <p:sp>
             <p:nvSpPr>
               <p:cNvPr id="18" name="CuadroTexto 17">
@@ -43548,8 +43455,8 @@
           </p:sp>
         </mc:Fallback>
       </mc:AlternateContent>
-      <mc:AlternateContent xmlns:mc="http://schemas.openxmlformats.org/markup-compatibility/2006">
-        <mc:Choice xmlns:a14="http://schemas.microsoft.com/office/drawing/2010/main" Requires="a14">
+      <mc:AlternateContent xmlns:mc="http://schemas.openxmlformats.org/markup-compatibility/2006" xmlns:a14="http://schemas.microsoft.com/office/drawing/2010/main">
+        <mc:Choice Requires="a14">
           <p:sp>
             <p:nvSpPr>
               <p:cNvPr id="20" name="CuadroTexto 19">
@@ -43578,6 +43485,7 @@
               </a:bodyPr>
               <a:lstStyle/>
               <a:p>
+                <a:pPr/>
                 <a14:m>
                   <m:oMathPara xmlns:m="http://schemas.openxmlformats.org/officeDocument/2006/math">
                     <m:oMathParaPr>
@@ -43751,7 +43659,7 @@
             </p:txBody>
           </p:sp>
         </mc:Choice>
-        <mc:Fallback>
+        <mc:Fallback xmlns="">
           <p:sp>
             <p:nvSpPr>
               <p:cNvPr id="20" name="CuadroTexto 19">
@@ -43796,8 +43704,8 @@
           </p:sp>
         </mc:Fallback>
       </mc:AlternateContent>
-      <mc:AlternateContent xmlns:mc="http://schemas.openxmlformats.org/markup-compatibility/2006">
-        <mc:Choice xmlns:a14="http://schemas.microsoft.com/office/drawing/2010/main" Requires="a14">
+      <mc:AlternateContent xmlns:mc="http://schemas.openxmlformats.org/markup-compatibility/2006" xmlns:a14="http://schemas.microsoft.com/office/drawing/2010/main">
+        <mc:Choice Requires="a14">
           <p:sp>
             <p:nvSpPr>
               <p:cNvPr id="21" name="CuadroTexto 20">
@@ -43826,6 +43734,7 @@
               </a:bodyPr>
               <a:lstStyle/>
               <a:p>
+                <a:pPr/>
                 <a14:m>
                   <m:oMathPara xmlns:m="http://schemas.openxmlformats.org/officeDocument/2006/math">
                     <m:oMathParaPr>
@@ -43901,7 +43810,7 @@
             </p:txBody>
           </p:sp>
         </mc:Choice>
-        <mc:Fallback>
+        <mc:Fallback xmlns="">
           <p:sp>
             <p:nvSpPr>
               <p:cNvPr id="21" name="CuadroTexto 20">
@@ -43946,8 +43855,8 @@
           </p:sp>
         </mc:Fallback>
       </mc:AlternateContent>
-      <mc:AlternateContent xmlns:mc="http://schemas.openxmlformats.org/markup-compatibility/2006">
-        <mc:Choice xmlns:a14="http://schemas.microsoft.com/office/drawing/2010/main" Requires="a14">
+      <mc:AlternateContent xmlns:mc="http://schemas.openxmlformats.org/markup-compatibility/2006" xmlns:a14="http://schemas.microsoft.com/office/drawing/2010/main">
+        <mc:Choice Requires="a14">
           <p:sp>
             <p:nvSpPr>
               <p:cNvPr id="22" name="CuadroTexto 21">
@@ -43976,6 +43885,7 @@
               </a:bodyPr>
               <a:lstStyle/>
               <a:p>
+                <a:pPr/>
                 <a14:m>
                   <m:oMathPara xmlns:m="http://schemas.openxmlformats.org/officeDocument/2006/math">
                     <m:oMathParaPr>
@@ -44104,7 +44014,7 @@
             </p:txBody>
           </p:sp>
         </mc:Choice>
-        <mc:Fallback>
+        <mc:Fallback xmlns="">
           <p:sp>
             <p:nvSpPr>
               <p:cNvPr id="22" name="CuadroTexto 21">
